--- a/vmtkSetup/setup.pptx
+++ b/vmtkSetup/setup.pptx
@@ -5,13 +5,14 @@
     <p:sldMasterId id="2147483648" r:id="rId1"/>
   </p:sldMasterIdLst>
   <p:notesMasterIdLst>
-    <p:notesMasterId r:id="rId6"/>
+    <p:notesMasterId r:id="rId7"/>
   </p:notesMasterIdLst>
   <p:sldIdLst>
     <p:sldId id="257" r:id="rId2"/>
     <p:sldId id="258" r:id="rId3"/>
     <p:sldId id="259" r:id="rId4"/>
     <p:sldId id="260" r:id="rId5"/>
+    <p:sldId id="261" r:id="rId6"/>
   </p:sldIdLst>
   <p:sldSz cx="12192000" cy="6858000"/>
   <p:notesSz cx="6858000" cy="9144000"/>
@@ -110,6 +111,11 @@
       </a:defRPr>
     </a:lvl9pPr>
   </p:defaultTextStyle>
+  <p:extLst>
+    <p:ext uri="{EFAFB233-063F-42B5-8137-9DF3F51BA10A}">
+      <p15:sldGuideLst xmlns:p15="http://schemas.microsoft.com/office/powerpoint/2012/main"/>
+    </p:ext>
+  </p:extLst>
 </p:presentation>
 </file>
 
@@ -5127,6 +5133,265 @@
     <p:extLst>
       <p:ext uri="{BB962C8B-B14F-4D97-AF65-F5344CB8AC3E}">
         <p14:creationId xmlns:p14="http://schemas.microsoft.com/office/powerpoint/2010/main" val="3908646092"/>
+      </p:ext>
+    </p:extLst>
+  </p:cSld>
+  <p:clrMapOvr>
+    <a:masterClrMapping/>
+  </p:clrMapOvr>
+</p:sld>
+</file>
+
+<file path=ppt/slides/slide5.xml><?xml version="1.0" encoding="utf-8"?>
+<p:sld xmlns:a="http://schemas.openxmlformats.org/drawingml/2006/main" xmlns:r="http://schemas.openxmlformats.org/officeDocument/2006/relationships" xmlns:p="http://schemas.openxmlformats.org/presentationml/2006/main">
+  <p:cSld>
+    <p:spTree>
+      <p:nvGrpSpPr>
+        <p:cNvPr id="1" name=""/>
+        <p:cNvGrpSpPr/>
+        <p:nvPr/>
+      </p:nvGrpSpPr>
+      <p:grpSpPr>
+        <a:xfrm>
+          <a:off x="0" y="0"/>
+          <a:ext cx="0" cy="0"/>
+          <a:chOff x="0" y="0"/>
+          <a:chExt cx="0" cy="0"/>
+        </a:xfrm>
+      </p:grpSpPr>
+      <p:sp>
+        <p:nvSpPr>
+          <p:cNvPr id="2" name="タイトル 1">
+            <a:extLst>
+              <a:ext uri="{FF2B5EF4-FFF2-40B4-BE49-F238E27FC236}">
+                <a16:creationId xmlns:a16="http://schemas.microsoft.com/office/drawing/2014/main" id="{CA90311B-2B3F-AAE2-4E6B-2221E98EEE2E}"/>
+              </a:ext>
+            </a:extLst>
+          </p:cNvPr>
+          <p:cNvSpPr>
+            <a:spLocks noGrp="1"/>
+          </p:cNvSpPr>
+          <p:nvPr>
+            <p:ph type="title"/>
+          </p:nvPr>
+        </p:nvSpPr>
+        <p:spPr/>
+        <p:txBody>
+          <a:bodyPr/>
+          <a:lstStyle/>
+          <a:p>
+            <a:r>
+              <a:rPr lang="en-US" altLang="ja-JP" dirty="0" err="1"/>
+              <a:t>v</a:t>
+            </a:r>
+            <a:r>
+              <a:rPr kumimoji="1" lang="en-US" altLang="ja-JP" dirty="0" err="1"/>
+              <a:t>mtk</a:t>
+            </a:r>
+            <a:r>
+              <a:rPr kumimoji="1" lang="ja-JP" altLang="en-US" dirty="0"/>
+              <a:t>を</a:t>
+            </a:r>
+            <a:r>
+              <a:rPr kumimoji="1" lang="en-US" altLang="ja-JP" dirty="0"/>
+              <a:t>CLI </a:t>
+            </a:r>
+            <a:r>
+              <a:rPr kumimoji="1" lang="ja-JP" altLang="en-US" dirty="0"/>
+              <a:t>で操作</a:t>
+            </a:r>
+          </a:p>
+        </p:txBody>
+      </p:sp>
+      <p:sp>
+        <p:nvSpPr>
+          <p:cNvPr id="3" name="コンテンツ プレースホルダー 2">
+            <a:extLst>
+              <a:ext uri="{FF2B5EF4-FFF2-40B4-BE49-F238E27FC236}">
+                <a16:creationId xmlns:a16="http://schemas.microsoft.com/office/drawing/2014/main" id="{F96878DB-4450-19A9-63D2-39F8E2456A39}"/>
+              </a:ext>
+            </a:extLst>
+          </p:cNvPr>
+          <p:cNvSpPr>
+            <a:spLocks noGrp="1"/>
+          </p:cNvSpPr>
+          <p:nvPr>
+            <p:ph idx="1"/>
+          </p:nvPr>
+        </p:nvSpPr>
+        <p:spPr/>
+        <p:txBody>
+          <a:bodyPr/>
+          <a:lstStyle/>
+          <a:p>
+            <a:pPr marL="0" indent="0">
+              <a:buNone/>
+            </a:pPr>
+            <a:r>
+              <a:rPr lang="ja-JP" altLang="en-US" dirty="0"/>
+              <a:t>以下、上のタブについての説明</a:t>
+            </a:r>
+            <a:endParaRPr lang="en-US" altLang="ja-JP" dirty="0"/>
+          </a:p>
+          <a:p>
+            <a:pPr marL="0" indent="0">
+              <a:buNone/>
+            </a:pPr>
+            <a:endParaRPr lang="en-US" altLang="ja-JP" dirty="0"/>
+          </a:p>
+          <a:p>
+            <a:pPr marL="0" indent="0">
+              <a:buNone/>
+            </a:pPr>
+            <a:r>
+              <a:rPr kumimoji="1" lang="ja-JP" altLang="en-US" dirty="0"/>
+              <a:t>・処理したい入力ファイルを指定する際には</a:t>
+            </a:r>
+            <a:r>
+              <a:rPr kumimoji="1" lang="en-US" altLang="ja-JP" dirty="0"/>
+              <a:t>CLI</a:t>
+            </a:r>
+            <a:r>
+              <a:rPr kumimoji="1" lang="ja-JP" altLang="en-US" dirty="0"/>
+              <a:t>にフルパスを入力する必要</a:t>
+            </a:r>
+            <a:endParaRPr kumimoji="1" lang="en-US" altLang="ja-JP" dirty="0"/>
+          </a:p>
+          <a:p>
+            <a:pPr marL="0" indent="0">
+              <a:buNone/>
+            </a:pPr>
+            <a:r>
+              <a:rPr lang="ja-JP" altLang="en-US" dirty="0"/>
+              <a:t>　</a:t>
+            </a:r>
+            <a:r>
+              <a:rPr kumimoji="1" lang="ja-JP" altLang="en-US" dirty="0"/>
+              <a:t>があるが、「</a:t>
+            </a:r>
+            <a:r>
+              <a:rPr kumimoji="1" lang="en-US" altLang="ja-JP" dirty="0"/>
+              <a:t>Edit</a:t>
+            </a:r>
+            <a:r>
+              <a:rPr kumimoji="1" lang="ja-JP" altLang="en-US" dirty="0"/>
+              <a:t>」→「</a:t>
+            </a:r>
+            <a:r>
+              <a:rPr kumimoji="1" lang="en-US" altLang="ja-JP" dirty="0"/>
+              <a:t>Insert File Name</a:t>
+            </a:r>
+            <a:r>
+              <a:rPr kumimoji="1" lang="ja-JP" altLang="en-US" dirty="0"/>
+              <a:t>」からフルパスを入力できる。</a:t>
+            </a:r>
+            <a:endParaRPr kumimoji="1" lang="en-US" altLang="ja-JP" dirty="0"/>
+          </a:p>
+          <a:p>
+            <a:pPr marL="0" indent="0">
+              <a:buNone/>
+            </a:pPr>
+            <a:endParaRPr lang="en-US" altLang="ja-JP" dirty="0"/>
+          </a:p>
+          <a:p>
+            <a:pPr marL="0" indent="0">
+              <a:buNone/>
+            </a:pPr>
+            <a:r>
+              <a:rPr kumimoji="1" lang="ja-JP" altLang="en-US" dirty="0"/>
+              <a:t>・処理結果を保存したいときは、</a:t>
+            </a:r>
+            <a:r>
+              <a:rPr lang="ja-JP" altLang="en-US" dirty="0"/>
+              <a:t>「</a:t>
+            </a:r>
+            <a:r>
+              <a:rPr lang="en-US" altLang="ja-JP" dirty="0"/>
+              <a:t>Edit</a:t>
+            </a:r>
+            <a:r>
+              <a:rPr lang="ja-JP" altLang="en-US" dirty="0"/>
+              <a:t>」→「</a:t>
+            </a:r>
+            <a:r>
+              <a:rPr lang="en-US" altLang="ja-JP" dirty="0"/>
+              <a:t>Write Output to file</a:t>
+            </a:r>
+            <a:r>
+              <a:rPr lang="ja-JP" altLang="en-US" dirty="0"/>
+              <a:t>」にチェックを</a:t>
+            </a:r>
+            <a:endParaRPr lang="en-US" altLang="ja-JP" dirty="0"/>
+          </a:p>
+          <a:p>
+            <a:pPr marL="0" indent="0">
+              <a:buNone/>
+            </a:pPr>
+            <a:r>
+              <a:rPr lang="ja-JP" altLang="en-US" dirty="0"/>
+              <a:t>　入れる</a:t>
+            </a:r>
+            <a:endParaRPr lang="en-US" altLang="ja-JP" dirty="0"/>
+          </a:p>
+          <a:p>
+            <a:pPr marL="0" indent="0">
+              <a:buNone/>
+            </a:pPr>
+            <a:endParaRPr kumimoji="1" lang="en-US" altLang="ja-JP" dirty="0"/>
+          </a:p>
+          <a:p>
+            <a:pPr marL="0" indent="0">
+              <a:buNone/>
+            </a:pPr>
+            <a:r>
+              <a:rPr lang="ja-JP" altLang="en-US" dirty="0"/>
+              <a:t>・コマンドを入力したら「</a:t>
+            </a:r>
+            <a:r>
+              <a:rPr lang="en-US" altLang="ja-JP" dirty="0"/>
+              <a:t>Run</a:t>
+            </a:r>
+            <a:r>
+              <a:rPr lang="ja-JP" altLang="en-US" dirty="0"/>
+              <a:t>」で実行</a:t>
+            </a:r>
+            <a:endParaRPr kumimoji="1" lang="en-US" altLang="ja-JP" dirty="0"/>
+          </a:p>
+        </p:txBody>
+      </p:sp>
+      <p:sp>
+        <p:nvSpPr>
+          <p:cNvPr id="4" name="スライド番号プレースホルダー 3">
+            <a:extLst>
+              <a:ext uri="{FF2B5EF4-FFF2-40B4-BE49-F238E27FC236}">
+                <a16:creationId xmlns:a16="http://schemas.microsoft.com/office/drawing/2014/main" id="{E93C2C66-298B-2E31-4E0E-C3F50B843300}"/>
+              </a:ext>
+            </a:extLst>
+          </p:cNvPr>
+          <p:cNvSpPr>
+            <a:spLocks noGrp="1"/>
+          </p:cNvSpPr>
+          <p:nvPr>
+            <p:ph type="sldNum" sz="quarter" idx="12"/>
+          </p:nvPr>
+        </p:nvSpPr>
+        <p:spPr/>
+        <p:txBody>
+          <a:bodyPr/>
+          <a:lstStyle/>
+          <a:p>
+            <a:fld id="{2C3DA9C2-466E-4A7B-A72D-2A06A30F6180}" type="slidenum">
+              <a:rPr kumimoji="1" lang="ja-JP" altLang="en-US" smtClean="0"/>
+              <a:t>5</a:t>
+            </a:fld>
+            <a:endParaRPr kumimoji="1" lang="ja-JP" altLang="en-US"/>
+          </a:p>
+        </p:txBody>
+      </p:sp>
+    </p:spTree>
+    <p:extLst>
+      <p:ext uri="{BB962C8B-B14F-4D97-AF65-F5344CB8AC3E}">
+        <p14:creationId xmlns:p14="http://schemas.microsoft.com/office/powerpoint/2010/main" val="1951494724"/>
       </p:ext>
     </p:extLst>
   </p:cSld>

--- a/vmtkSetup/setup.pptx
+++ b/vmtkSetup/setup.pptx
@@ -4055,7 +4055,12 @@
             <p:ph idx="1"/>
           </p:nvPr>
         </p:nvSpPr>
-        <p:spPr/>
+        <p:spPr>
+          <a:xfrm>
+            <a:off x="-1" y="1089891"/>
+            <a:ext cx="12575459" cy="5169477"/>
+          </a:xfrm>
+        </p:spPr>
         <p:txBody>
           <a:bodyPr/>
           <a:lstStyle/>
@@ -4088,21 +4093,15 @@
             </a:r>
             <a:r>
               <a:rPr kumimoji="1" lang="ja-JP" altLang="en-US" dirty="0"/>
-              <a:t>に従って環境構築すればいいのだが、</a:t>
+              <a:t>に従って環境構築できればいいのだが、少し苦労した</a:t>
             </a:r>
             <a:r>
               <a:rPr lang="ja-JP" altLang="en-US" dirty="0"/>
-              <a:t>意外と分かりにくかったので</a:t>
-            </a:r>
-            <a:endParaRPr lang="en-US" altLang="ja-JP" dirty="0"/>
-          </a:p>
-          <a:p>
-            <a:pPr marL="0" indent="0">
-              <a:buNone/>
-            </a:pPr>
+              <a:t>ので</a:t>
+            </a:r>
             <a:r>
               <a:rPr kumimoji="1" lang="ja-JP" altLang="en-US" dirty="0"/>
-              <a:t>　覚書として残しておく</a:t>
+              <a:t>覚書として残しておく</a:t>
             </a:r>
             <a:endParaRPr kumimoji="1" lang="en-US" altLang="ja-JP" dirty="0"/>
           </a:p>
@@ -5044,7 +5043,7 @@
               <a:rPr lang="en-US" altLang="ja-JP" dirty="0">
                 <a:hlinkClick r:id="rId2"/>
               </a:rPr>
-              <a:t>http://www.vmtk.org/tutorials/</a:t>
+              <a:t>http://www.vmtk.org/documentation/vmtkscripts.html</a:t>
             </a:r>
             <a:endParaRPr lang="en-US" altLang="ja-JP" dirty="0"/>
           </a:p>
@@ -5121,14 +5120,96 @@
         </p:blipFill>
         <p:spPr>
           <a:xfrm>
-            <a:off x="6529658" y="2744919"/>
-            <a:ext cx="5106670" cy="4006501"/>
+            <a:off x="6917882" y="3110459"/>
+            <a:ext cx="4590626" cy="3601632"/>
           </a:xfrm>
           <a:prstGeom prst="rect">
             <a:avLst/>
           </a:prstGeom>
         </p:spPr>
       </p:pic>
+      <p:pic>
+        <p:nvPicPr>
+          <p:cNvPr id="7" name="図 6" descr="ロゴ&#10;&#10;中程度の精度で自動的に生成された説明">
+            <a:extLst>
+              <a:ext uri="{FF2B5EF4-FFF2-40B4-BE49-F238E27FC236}">
+                <a16:creationId xmlns:a16="http://schemas.microsoft.com/office/drawing/2014/main" id="{F1E29FA7-1C92-63CA-E38E-CCE628B2D98C}"/>
+              </a:ext>
+            </a:extLst>
+          </p:cNvPr>
+          <p:cNvPicPr>
+            <a:picLocks noChangeAspect="1"/>
+          </p:cNvPicPr>
+          <p:nvPr/>
+        </p:nvPicPr>
+        <p:blipFill>
+          <a:blip r:embed="rId4">
+            <a:extLst>
+              <a:ext uri="{28A0092B-C50C-407E-A947-70E740481C1C}">
+                <a14:useLocalDpi xmlns:a14="http://schemas.microsoft.com/office/drawing/2010/main" val="0"/>
+              </a:ext>
+            </a:extLst>
+          </a:blip>
+          <a:stretch>
+            <a:fillRect/>
+          </a:stretch>
+        </p:blipFill>
+        <p:spPr>
+          <a:xfrm>
+            <a:off x="4994659" y="4875494"/>
+            <a:ext cx="685859" cy="815411"/>
+          </a:xfrm>
+          <a:prstGeom prst="rect">
+            <a:avLst/>
+          </a:prstGeom>
+        </p:spPr>
+      </p:pic>
+      <p:sp>
+        <p:nvSpPr>
+          <p:cNvPr id="8" name="矢印: 右 7">
+            <a:extLst>
+              <a:ext uri="{FF2B5EF4-FFF2-40B4-BE49-F238E27FC236}">
+                <a16:creationId xmlns:a16="http://schemas.microsoft.com/office/drawing/2014/main" id="{46FB1C47-184E-AF9A-ABF9-515F3761B916}"/>
+              </a:ext>
+            </a:extLst>
+          </p:cNvPr>
+          <p:cNvSpPr/>
+          <p:nvPr/>
+        </p:nvSpPr>
+        <p:spPr>
+          <a:xfrm>
+            <a:off x="6096000" y="5008880"/>
+            <a:ext cx="406400" cy="274320"/>
+          </a:xfrm>
+          <a:prstGeom prst="rightArrow">
+            <a:avLst/>
+          </a:prstGeom>
+        </p:spPr>
+        <p:style>
+          <a:lnRef idx="2">
+            <a:schemeClr val="accent1">
+              <a:shade val="15000"/>
+            </a:schemeClr>
+          </a:lnRef>
+          <a:fillRef idx="1">
+            <a:schemeClr val="accent1"/>
+          </a:fillRef>
+          <a:effectRef idx="0">
+            <a:schemeClr val="accent1"/>
+          </a:effectRef>
+          <a:fontRef idx="minor">
+            <a:schemeClr val="lt1"/>
+          </a:fontRef>
+        </p:style>
+        <p:txBody>
+          <a:bodyPr rtlCol="0" anchor="ctr"/>
+          <a:lstStyle/>
+          <a:p>
+            <a:pPr algn="ctr"/>
+            <a:endParaRPr kumimoji="1" lang="ja-JP" altLang="en-US"/>
+          </a:p>
+        </p:txBody>
+      </p:sp>
     </p:spTree>
     <p:extLst>
       <p:ext uri="{BB962C8B-B14F-4D97-AF65-F5344CB8AC3E}">
@@ -5219,9 +5300,16 @@
             <p:ph idx="1"/>
           </p:nvPr>
         </p:nvSpPr>
-        <p:spPr/>
-        <p:txBody>
-          <a:bodyPr/>
+        <p:spPr>
+          <a:xfrm>
+            <a:off x="-1" y="765427"/>
+            <a:ext cx="11508509" cy="5169477"/>
+          </a:xfrm>
+        </p:spPr>
+        <p:txBody>
+          <a:bodyPr>
+            <a:normAutofit fontScale="92500" lnSpcReduction="10000"/>
+          </a:bodyPr>
           <a:lstStyle/>
           <a:p>
             <a:pPr marL="0" indent="0">
@@ -5355,7 +5443,63 @@
               <a:rPr lang="ja-JP" altLang="en-US" dirty="0"/>
               <a:t>」で実行</a:t>
             </a:r>
+            <a:endParaRPr lang="en-US" altLang="ja-JP" dirty="0"/>
+          </a:p>
+          <a:p>
+            <a:pPr marL="0" indent="0">
+              <a:buNone/>
+            </a:pPr>
             <a:endParaRPr kumimoji="1" lang="en-US" altLang="ja-JP" dirty="0"/>
+          </a:p>
+          <a:p>
+            <a:pPr marL="0" indent="0">
+              <a:buNone/>
+            </a:pPr>
+            <a:r>
+              <a:rPr kumimoji="1" lang="ja-JP" altLang="en-US" dirty="0">
+                <a:solidFill>
+                  <a:srgbClr val="FF0000"/>
+                </a:solidFill>
+              </a:rPr>
+              <a:t>基本的に</a:t>
+            </a:r>
+            <a:r>
+              <a:rPr lang="en-US" altLang="ja-JP" dirty="0" err="1">
+                <a:solidFill>
+                  <a:srgbClr val="FF0000"/>
+                </a:solidFill>
+              </a:rPr>
+              <a:t>vmtk</a:t>
+            </a:r>
+            <a:r>
+              <a:rPr lang="ja-JP" altLang="en-US" dirty="0">
+                <a:solidFill>
+                  <a:srgbClr val="FF0000"/>
+                </a:solidFill>
+              </a:rPr>
+              <a:t>側で予想されてない入力があると、すぐに動かなくなるし、一度処理を終えた後も動かなくなるので、困ったら</a:t>
+            </a:r>
+            <a:r>
+              <a:rPr lang="en-US" altLang="ja-JP" dirty="0" err="1">
+                <a:solidFill>
+                  <a:srgbClr val="FF0000"/>
+                </a:solidFill>
+              </a:rPr>
+              <a:t>vmtk</a:t>
+            </a:r>
+            <a:r>
+              <a:rPr lang="ja-JP" altLang="en-US" dirty="0">
+                <a:solidFill>
+                  <a:srgbClr val="FF0000"/>
+                </a:solidFill>
+              </a:rPr>
+              <a:t>を再起動する</a:t>
+            </a:r>
+            <a:endParaRPr kumimoji="1" lang="en-US" altLang="ja-JP" dirty="0">
+              <a:solidFill>
+                <a:srgbClr val="FF0000"/>
+              </a:solidFill>
+            </a:endParaRPr>
           </a:p>
         </p:txBody>
       </p:sp>

--- a/vmtkSetup/setup.pptx
+++ b/vmtkSetup/setup.pptx
@@ -4557,7 +4557,7 @@
           <a:lstStyle/>
           <a:p>
             <a:r>
-              <a:rPr kumimoji="1" lang="en-US" altLang="ja-JP"/>
+              <a:rPr kumimoji="1" lang="en-US" altLang="ja-JP" dirty="0"/>
               <a:t>Anaconda Prompt </a:t>
             </a:r>
             <a:r>
@@ -4637,7 +4637,29 @@
             </a:r>
             <a:r>
               <a:rPr kumimoji="1" lang="ja-JP" altLang="en-US" dirty="0"/>
-              <a:t>が、ひとまず仮想環境での作業は無し</a:t>
+              <a:t>が、入る必要ない。</a:t>
+            </a:r>
+            <a:r>
+              <a:rPr lang="ja-JP" altLang="en-US" dirty="0"/>
+              <a:t>これ以降は</a:t>
+            </a:r>
+            <a:r>
+              <a:rPr kumimoji="1" lang="ja-JP" altLang="en-US" dirty="0"/>
+              <a:t>仮想環境</a:t>
+            </a:r>
+            <a:r>
+              <a:rPr lang="ja-JP" altLang="en-US" dirty="0"/>
+              <a:t>を意識する</a:t>
+            </a:r>
+            <a:endParaRPr lang="en-US" altLang="ja-JP" dirty="0"/>
+          </a:p>
+          <a:p>
+            <a:pPr marL="0" indent="0">
+              <a:buNone/>
+            </a:pPr>
+            <a:r>
+              <a:rPr lang="ja-JP" altLang="en-US" dirty="0"/>
+              <a:t>　必要なし</a:t>
             </a:r>
             <a:r>
               <a:rPr kumimoji="1" lang="en-US" altLang="ja-JP" dirty="0"/>
@@ -5088,7 +5110,7 @@
               <a:rPr kumimoji="1" lang="ja-JP" altLang="en-US" smtClean="0"/>
               <a:t>4</a:t>
             </a:fld>
-            <a:endParaRPr kumimoji="1" lang="ja-JP" altLang="en-US"/>
+            <a:endParaRPr kumimoji="1" lang="ja-JP" altLang="en-US" dirty="0"/>
           </a:p>
         </p:txBody>
       </p:sp>
@@ -5317,7 +5339,19 @@
             </a:pPr>
             <a:r>
               <a:rPr lang="ja-JP" altLang="en-US" dirty="0"/>
-              <a:t>以下、上のタブについての説明</a:t>
+              <a:t>以下、</a:t>
+            </a:r>
+            <a:r>
+              <a:rPr lang="en-US" altLang="ja-JP" dirty="0" err="1"/>
+              <a:t>PypePad</a:t>
+            </a:r>
+            <a:r>
+              <a:rPr lang="ja-JP" altLang="en-US"/>
+              <a:t>画面の上</a:t>
+            </a:r>
+            <a:r>
+              <a:rPr lang="ja-JP" altLang="en-US" dirty="0"/>
+              <a:t>のタブについての説明</a:t>
             </a:r>
             <a:endParaRPr lang="en-US" altLang="ja-JP" dirty="0"/>
           </a:p>
